--- a/plugfest/2017-burlingame/CollectionServientInfo2017.pptx
+++ b/plugfest/2017-burlingame/CollectionServientInfo2017.pptx
@@ -114,7 +114,7 @@
   </p:defaultTextStyle>
   <p:extLst>
     <p:ext uri="{EFAFB233-063F-42B5-8137-9DF3F51BA10A}">
-      <p15:sldGuideLst xmlns:p15="http://schemas.microsoft.com/office/powerpoint/2012/main" xmlns="">
+      <p15:sldGuideLst xmlns="" xmlns:p15="http://schemas.microsoft.com/office/powerpoint/2012/main">
         <p15:guide id="1" orient="horz" pos="2160">
           <p15:clr>
             <a:srgbClr val="A4A3A4"/>
@@ -415,7 +415,7 @@
     </p:spTree>
     <p:extLst>
       <p:ext uri="{BB962C8B-B14F-4D97-AF65-F5344CB8AC3E}">
-        <p14:creationId xmlns:p14="http://schemas.microsoft.com/office/powerpoint/2010/main" xmlns="" val="2524674485"/>
+        <p14:creationId xmlns="" xmlns:p14="http://schemas.microsoft.com/office/powerpoint/2010/main" val="2524674485"/>
       </p:ext>
     </p:extLst>
   </p:cSld>
@@ -590,7 +590,7 @@
     </p:spTree>
     <p:extLst>
       <p:ext uri="{BB962C8B-B14F-4D97-AF65-F5344CB8AC3E}">
-        <p14:creationId xmlns:p14="http://schemas.microsoft.com/office/powerpoint/2010/main" xmlns="" val="4228256280"/>
+        <p14:creationId xmlns="" xmlns:p14="http://schemas.microsoft.com/office/powerpoint/2010/main" val="4228256280"/>
       </p:ext>
     </p:extLst>
   </p:cSld>
@@ -675,7 +675,7 @@
     </p:spTree>
     <p:extLst>
       <p:ext uri="{BB962C8B-B14F-4D97-AF65-F5344CB8AC3E}">
-        <p14:creationId xmlns:p14="http://schemas.microsoft.com/office/powerpoint/2010/main" xmlns="" val="4228256280"/>
+        <p14:creationId xmlns="" xmlns:p14="http://schemas.microsoft.com/office/powerpoint/2010/main" val="4228256280"/>
       </p:ext>
     </p:extLst>
   </p:cSld>
@@ -873,7 +873,7 @@
     </p:spTree>
     <p:extLst>
       <p:ext uri="{BB962C8B-B14F-4D97-AF65-F5344CB8AC3E}">
-        <p14:creationId xmlns:p14="http://schemas.microsoft.com/office/powerpoint/2010/main" xmlns="" val="3230947085"/>
+        <p14:creationId xmlns="" xmlns:p14="http://schemas.microsoft.com/office/powerpoint/2010/main" val="3230947085"/>
       </p:ext>
     </p:extLst>
   </p:cSld>
@@ -1081,7 +1081,7 @@
     </p:spTree>
     <p:extLst>
       <p:ext uri="{BB962C8B-B14F-4D97-AF65-F5344CB8AC3E}">
-        <p14:creationId xmlns:p14="http://schemas.microsoft.com/office/powerpoint/2010/main" xmlns="" val="3721398776"/>
+        <p14:creationId xmlns="" xmlns:p14="http://schemas.microsoft.com/office/powerpoint/2010/main" val="3721398776"/>
       </p:ext>
     </p:extLst>
   </p:cSld>
@@ -1299,7 +1299,7 @@
     </p:spTree>
     <p:extLst>
       <p:ext uri="{BB962C8B-B14F-4D97-AF65-F5344CB8AC3E}">
-        <p14:creationId xmlns:p14="http://schemas.microsoft.com/office/powerpoint/2010/main" xmlns="" val="4162209232"/>
+        <p14:creationId xmlns="" xmlns:p14="http://schemas.microsoft.com/office/powerpoint/2010/main" val="4162209232"/>
       </p:ext>
     </p:extLst>
   </p:cSld>
@@ -1507,7 +1507,7 @@
     </p:spTree>
     <p:extLst>
       <p:ext uri="{BB962C8B-B14F-4D97-AF65-F5344CB8AC3E}">
-        <p14:creationId xmlns:p14="http://schemas.microsoft.com/office/powerpoint/2010/main" xmlns="" val="653271255"/>
+        <p14:creationId xmlns="" xmlns:p14="http://schemas.microsoft.com/office/powerpoint/2010/main" val="653271255"/>
       </p:ext>
     </p:extLst>
   </p:cSld>
@@ -1757,7 +1757,7 @@
     </p:spTree>
     <p:extLst>
       <p:ext uri="{BB962C8B-B14F-4D97-AF65-F5344CB8AC3E}">
-        <p14:creationId xmlns:p14="http://schemas.microsoft.com/office/powerpoint/2010/main" xmlns="" val="2275173618"/>
+        <p14:creationId xmlns="" xmlns:p14="http://schemas.microsoft.com/office/powerpoint/2010/main" val="2275173618"/>
       </p:ext>
     </p:extLst>
   </p:cSld>
@@ -2059,7 +2059,7 @@
     </p:spTree>
     <p:extLst>
       <p:ext uri="{BB962C8B-B14F-4D97-AF65-F5344CB8AC3E}">
-        <p14:creationId xmlns:p14="http://schemas.microsoft.com/office/powerpoint/2010/main" xmlns="" val="2027829850"/>
+        <p14:creationId xmlns="" xmlns:p14="http://schemas.microsoft.com/office/powerpoint/2010/main" val="2027829850"/>
       </p:ext>
     </p:extLst>
   </p:cSld>
@@ -2496,7 +2496,7 @@
     </p:spTree>
     <p:extLst>
       <p:ext uri="{BB962C8B-B14F-4D97-AF65-F5344CB8AC3E}">
-        <p14:creationId xmlns:p14="http://schemas.microsoft.com/office/powerpoint/2010/main" xmlns="" val="1017946402"/>
+        <p14:creationId xmlns="" xmlns:p14="http://schemas.microsoft.com/office/powerpoint/2010/main" val="1017946402"/>
       </p:ext>
     </p:extLst>
   </p:cSld>
@@ -2620,7 +2620,7 @@
     </p:spTree>
     <p:extLst>
       <p:ext uri="{BB962C8B-B14F-4D97-AF65-F5344CB8AC3E}">
-        <p14:creationId xmlns:p14="http://schemas.microsoft.com/office/powerpoint/2010/main" xmlns="" val="2650824431"/>
+        <p14:creationId xmlns="" xmlns:p14="http://schemas.microsoft.com/office/powerpoint/2010/main" val="2650824431"/>
       </p:ext>
     </p:extLst>
   </p:cSld>
@@ -2721,7 +2721,7 @@
     </p:spTree>
     <p:extLst>
       <p:ext uri="{BB962C8B-B14F-4D97-AF65-F5344CB8AC3E}">
-        <p14:creationId xmlns:p14="http://schemas.microsoft.com/office/powerpoint/2010/main" xmlns="" val="1424695028"/>
+        <p14:creationId xmlns="" xmlns:p14="http://schemas.microsoft.com/office/powerpoint/2010/main" val="1424695028"/>
       </p:ext>
     </p:extLst>
   </p:cSld>
@@ -3036,7 +3036,7 @@
     </p:spTree>
     <p:extLst>
       <p:ext uri="{BB962C8B-B14F-4D97-AF65-F5344CB8AC3E}">
-        <p14:creationId xmlns:p14="http://schemas.microsoft.com/office/powerpoint/2010/main" xmlns="" val="922144286"/>
+        <p14:creationId xmlns="" xmlns:p14="http://schemas.microsoft.com/office/powerpoint/2010/main" val="922144286"/>
       </p:ext>
     </p:extLst>
   </p:cSld>
@@ -3299,7 +3299,7 @@
     </p:spTree>
     <p:extLst>
       <p:ext uri="{BB962C8B-B14F-4D97-AF65-F5344CB8AC3E}">
-        <p14:creationId xmlns:p14="http://schemas.microsoft.com/office/powerpoint/2010/main" xmlns="" val="3131589639"/>
+        <p14:creationId xmlns="" xmlns:p14="http://schemas.microsoft.com/office/powerpoint/2010/main" val="3131589639"/>
       </p:ext>
     </p:extLst>
   </p:cSld>
@@ -3586,7 +3586,7 @@
     </p:spTree>
     <p:extLst>
       <p:ext uri="{BB962C8B-B14F-4D97-AF65-F5344CB8AC3E}">
-        <p14:creationId xmlns:p14="http://schemas.microsoft.com/office/powerpoint/2010/main" xmlns="" val="1653567156"/>
+        <p14:creationId xmlns="" xmlns:p14="http://schemas.microsoft.com/office/powerpoint/2010/main" val="1653567156"/>
       </p:ext>
     </p:extLst>
   </p:cSld>
@@ -5699,7 +5699,15 @@
             <a:pPr algn="ctr"/>
             <a:r>
               <a:rPr lang="en-US" altLang="ja-JP" sz="800" dirty="0" smtClean="0"/>
-              <a:t>(EUROCOM)</a:t>
+              <a:t>(</a:t>
+            </a:r>
+            <a:r>
+              <a:rPr lang="en-US" altLang="ja-JP" sz="800" dirty="0" smtClean="0"/>
+              <a:t>EURECOM</a:t>
+            </a:r>
+            <a:r>
+              <a:rPr lang="en-US" altLang="ja-JP" sz="800" dirty="0" smtClean="0"/>
+              <a:t>)</a:t>
             </a:r>
           </a:p>
         </p:txBody>
@@ -6639,7 +6647,7 @@
     </p:spTree>
     <p:extLst>
       <p:ext uri="{BB962C8B-B14F-4D97-AF65-F5344CB8AC3E}">
-        <p14:creationId xmlns:p14="http://schemas.microsoft.com/office/powerpoint/2010/main" xmlns="" val="4033359331"/>
+        <p14:creationId xmlns="" xmlns:p14="http://schemas.microsoft.com/office/powerpoint/2010/main" val="4033359331"/>
       </p:ext>
     </p:extLst>
   </p:cSld>
@@ -6717,15 +6725,7 @@
             <a:pPr algn="ctr"/>
             <a:r>
               <a:rPr kumimoji="1" lang="en-US" altLang="ja-JP" sz="800" smtClean="0"/>
-              <a:t>(</a:t>
-            </a:r>
-            <a:r>
-              <a:rPr kumimoji="1" lang="en-US" altLang="ja-JP" sz="800" smtClean="0"/>
-              <a:t>Panasonic</a:t>
-            </a:r>
-            <a:r>
-              <a:rPr kumimoji="1" lang="en-US" altLang="ja-JP" sz="800" smtClean="0"/>
-              <a:t>)</a:t>
+              <a:t>(Panasonic)</a:t>
             </a:r>
             <a:endParaRPr kumimoji="1" lang="en-US" altLang="ja-JP" sz="800"/>
           </a:p>
@@ -6774,15 +6774,7 @@
             <a:pPr algn="ctr"/>
             <a:r>
               <a:rPr kumimoji="1" lang="en-US" altLang="ja-JP" sz="800" smtClean="0"/>
-              <a:t>(</a:t>
-            </a:r>
-            <a:r>
-              <a:rPr kumimoji="1" lang="en-US" altLang="ja-JP" sz="800" smtClean="0"/>
-              <a:t>Panasonic</a:t>
-            </a:r>
-            <a:r>
-              <a:rPr kumimoji="1" lang="en-US" altLang="ja-JP" sz="800" smtClean="0"/>
-              <a:t>)</a:t>
+              <a:t>(Panasonic)</a:t>
             </a:r>
             <a:endParaRPr kumimoji="1" lang="en-US" altLang="ja-JP" sz="800"/>
           </a:p>
@@ -6831,15 +6823,7 @@
             <a:pPr algn="ctr"/>
             <a:r>
               <a:rPr kumimoji="1" lang="en-US" altLang="ja-JP" sz="800" smtClean="0"/>
-              <a:t>(</a:t>
-            </a:r>
-            <a:r>
-              <a:rPr kumimoji="1" lang="en-US" altLang="ja-JP" sz="800" smtClean="0"/>
-              <a:t>Panasonic</a:t>
-            </a:r>
-            <a:r>
-              <a:rPr kumimoji="1" lang="en-US" altLang="ja-JP" sz="800" smtClean="0"/>
-              <a:t>)</a:t>
+              <a:t>(Panasonic)</a:t>
             </a:r>
             <a:endParaRPr kumimoji="1" lang="en-US" altLang="ja-JP" sz="800"/>
           </a:p>
@@ -6881,11 +6865,7 @@
             <a:pPr algn="ctr"/>
             <a:r>
               <a:rPr lang="en-US" altLang="ja-JP" sz="800" smtClean="0"/>
-              <a:t>Device </a:t>
-            </a:r>
-            <a:r>
-              <a:rPr lang="en-US" altLang="ja-JP" sz="800" smtClean="0"/>
-              <a:t>Servient</a:t>
+              <a:t>Device Servient</a:t>
             </a:r>
             <a:br>
               <a:rPr lang="en-US" altLang="ja-JP" sz="800" smtClean="0"/>
@@ -6894,21 +6874,12 @@
               <a:rPr lang="en-US" altLang="ja-JP" sz="800" smtClean="0"/>
               <a:t>Festo Plant</a:t>
             </a:r>
-            <a:endParaRPr lang="en-US" altLang="ja-JP" sz="800" smtClean="0"/>
           </a:p>
           <a:p>
             <a:pPr algn="ctr"/>
             <a:r>
               <a:rPr kumimoji="1" lang="en-US" altLang="ja-JP" sz="800" smtClean="0"/>
-              <a:t>(</a:t>
-            </a:r>
-            <a:r>
-              <a:rPr kumimoji="1" lang="en-US" altLang="ja-JP" sz="800" smtClean="0"/>
-              <a:t>Siemens</a:t>
-            </a:r>
-            <a:r>
-              <a:rPr kumimoji="1" lang="en-US" altLang="ja-JP" sz="800" smtClean="0"/>
-              <a:t>)</a:t>
+              <a:t>(Siemens)</a:t>
             </a:r>
             <a:endParaRPr kumimoji="1" lang="en-US" altLang="ja-JP" sz="800"/>
           </a:p>
@@ -7006,15 +6977,7 @@
             <a:pPr algn="ctr"/>
             <a:r>
               <a:rPr kumimoji="1" lang="en-US" altLang="ja-JP" sz="800" smtClean="0"/>
-              <a:t>(</a:t>
-            </a:r>
-            <a:r>
-              <a:rPr kumimoji="1" lang="en-US" altLang="ja-JP" sz="800" smtClean="0"/>
-              <a:t>Panasonic</a:t>
-            </a:r>
-            <a:r>
-              <a:rPr kumimoji="1" lang="en-US" altLang="ja-JP" sz="800" smtClean="0"/>
-              <a:t>)</a:t>
+              <a:t>(Panasonic)</a:t>
             </a:r>
             <a:endParaRPr kumimoji="1" lang="en-US" altLang="ja-JP" sz="800"/>
           </a:p>
@@ -7063,15 +7026,7 @@
             <a:pPr algn="ctr"/>
             <a:r>
               <a:rPr kumimoji="1" lang="en-US" altLang="ja-JP" sz="800" smtClean="0"/>
-              <a:t>(</a:t>
-            </a:r>
-            <a:r>
-              <a:rPr kumimoji="1" lang="en-US" altLang="ja-JP" sz="800" smtClean="0"/>
-              <a:t>Panasonic</a:t>
-            </a:r>
-            <a:r>
-              <a:rPr kumimoji="1" lang="en-US" altLang="ja-JP" sz="800" smtClean="0"/>
-              <a:t>)</a:t>
+              <a:t>(Panasonic)</a:t>
             </a:r>
             <a:endParaRPr kumimoji="1" lang="en-US" altLang="ja-JP" sz="800"/>
           </a:p>
@@ -7120,15 +7075,7 @@
             <a:pPr algn="ctr"/>
             <a:r>
               <a:rPr kumimoji="1" lang="en-US" altLang="ja-JP" sz="800" smtClean="0"/>
-              <a:t>(</a:t>
-            </a:r>
-            <a:r>
-              <a:rPr kumimoji="1" lang="en-US" altLang="ja-JP" sz="800" smtClean="0"/>
-              <a:t>Panasonic</a:t>
-            </a:r>
-            <a:r>
-              <a:rPr kumimoji="1" lang="en-US" altLang="ja-JP" sz="800" smtClean="0"/>
-              <a:t>)</a:t>
+              <a:t>(Panasonic)</a:t>
             </a:r>
             <a:endParaRPr kumimoji="1" lang="en-US" altLang="ja-JP" sz="800"/>
           </a:p>
@@ -7153,15 +7100,7 @@
           <a:p>
             <a:r>
               <a:rPr lang="en-US" altLang="ja-JP" sz="2000" smtClean="0"/>
-              <a:t>Servients from participants on </a:t>
-            </a:r>
-            <a:r>
-              <a:rPr lang="en-US" altLang="ja-JP" sz="2000" smtClean="0"/>
-              <a:t>TPAC2017 </a:t>
-            </a:r>
-            <a:r>
-              <a:rPr lang="en-US" altLang="ja-JP" sz="2000" smtClean="0"/>
-              <a:t>PlugFest</a:t>
+              <a:t>Servients from participants on TPAC2017 PlugFest</a:t>
             </a:r>
             <a:endParaRPr kumimoji="1" lang="en-US" altLang="ja-JP" sz="2000"/>
           </a:p>
@@ -7217,15 +7156,7 @@
             <a:pPr algn="ctr"/>
             <a:r>
               <a:rPr kumimoji="1" lang="en-US" altLang="ja-JP" sz="800" smtClean="0"/>
-              <a:t>(</a:t>
-            </a:r>
-            <a:r>
-              <a:rPr kumimoji="1" lang="en-US" altLang="ja-JP" sz="800" smtClean="0"/>
-              <a:t>Siemens</a:t>
-            </a:r>
-            <a:r>
-              <a:rPr kumimoji="1" lang="en-US" altLang="ja-JP" sz="800" smtClean="0"/>
-              <a:t>)</a:t>
+              <a:t>(Siemens)</a:t>
             </a:r>
             <a:endParaRPr kumimoji="1" lang="en-US" altLang="ja-JP" sz="800"/>
           </a:p>
@@ -7282,15 +7213,7 @@
             <a:pPr algn="ctr"/>
             <a:r>
               <a:rPr lang="en-US" altLang="ja-JP" sz="800" smtClean="0"/>
-              <a:t>(</a:t>
-            </a:r>
-            <a:r>
-              <a:rPr lang="en-US" altLang="ja-JP" sz="800" smtClean="0"/>
-              <a:t>Siemens</a:t>
-            </a:r>
-            <a:r>
-              <a:rPr lang="en-US" altLang="ja-JP" sz="800" smtClean="0"/>
-              <a:t>)</a:t>
+              <a:t>(Siemens)</a:t>
             </a:r>
             <a:endParaRPr kumimoji="1" lang="en-US" altLang="ja-JP" sz="800"/>
           </a:p>
@@ -7348,15 +7271,7 @@
             <a:pPr algn="ctr"/>
             <a:r>
               <a:rPr lang="en-US" altLang="ja-JP" sz="800" smtClean="0"/>
-              <a:t>(</a:t>
-            </a:r>
-            <a:r>
-              <a:rPr lang="en-US" altLang="ja-JP" sz="800" smtClean="0"/>
-              <a:t>Siemens</a:t>
-            </a:r>
-            <a:r>
-              <a:rPr lang="en-US" altLang="ja-JP" sz="800" smtClean="0"/>
-              <a:t>)</a:t>
+              <a:t>(Siemens)</a:t>
             </a:r>
             <a:endParaRPr kumimoji="1" lang="en-US" altLang="ja-JP" sz="800"/>
           </a:p>
@@ -7405,15 +7320,7 @@
             <a:pPr algn="ctr"/>
             <a:r>
               <a:rPr kumimoji="1" lang="en-US" altLang="ja-JP" sz="800" smtClean="0"/>
-              <a:t>(</a:t>
-            </a:r>
-            <a:r>
-              <a:rPr kumimoji="1" lang="en-US" altLang="ja-JP" sz="800" smtClean="0"/>
-              <a:t>Panasonic</a:t>
-            </a:r>
-            <a:r>
-              <a:rPr kumimoji="1" lang="en-US" altLang="ja-JP" sz="800" smtClean="0"/>
-              <a:t>)</a:t>
+              <a:t>(Panasonic)</a:t>
             </a:r>
             <a:endParaRPr kumimoji="1" lang="en-US" altLang="ja-JP" sz="800"/>
           </a:p>
@@ -7511,17 +7418,8 @@
             <a:pPr algn="ctr"/>
             <a:r>
               <a:rPr lang="en-US" altLang="ja-JP" sz="800" smtClean="0"/>
-              <a:t>Local </a:t>
-            </a:r>
-            <a:r>
-              <a:rPr lang="en-US" altLang="ja-JP" sz="800" smtClean="0"/>
-              <a:t>Proxy</a:t>
-            </a:r>
-            <a:r>
-              <a:rPr lang="en-US" altLang="ja-JP" sz="800" smtClean="0"/>
-              <a:t> Servient</a:t>
-            </a:r>
-            <a:endParaRPr lang="en-US" altLang="ja-JP" sz="800" smtClean="0"/>
+              <a:t>Local Proxy Servient</a:t>
+            </a:r>
           </a:p>
           <a:p>
             <a:pPr algn="ctr"/>
@@ -7630,17 +7528,8 @@
             <a:pPr algn="ctr"/>
             <a:r>
               <a:rPr lang="en-US" altLang="ja-JP" sz="800" smtClean="0"/>
-              <a:t>Local </a:t>
-            </a:r>
-            <a:r>
-              <a:rPr lang="en-US" altLang="ja-JP" sz="800" smtClean="0"/>
-              <a:t>Proxy</a:t>
-            </a:r>
-            <a:r>
-              <a:rPr lang="en-US" altLang="ja-JP" sz="800" smtClean="0"/>
-              <a:t> Servient</a:t>
-            </a:r>
-            <a:endParaRPr lang="en-US" altLang="ja-JP" sz="800" smtClean="0"/>
+              <a:t>Local Proxy Servient</a:t>
+            </a:r>
           </a:p>
           <a:p>
             <a:pPr algn="ctr"/>
@@ -7811,15 +7700,7 @@
             <a:pPr algn="ctr"/>
             <a:r>
               <a:rPr kumimoji="1" lang="en-US" altLang="ja-JP" sz="800" smtClean="0"/>
-              <a:t>(</a:t>
-            </a:r>
-            <a:r>
-              <a:rPr kumimoji="1" lang="en-US" altLang="ja-JP" sz="800" smtClean="0"/>
-              <a:t>Fujitsu</a:t>
-            </a:r>
-            <a:r>
-              <a:rPr kumimoji="1" lang="en-US" altLang="ja-JP" sz="800" smtClean="0"/>
-              <a:t>)</a:t>
+              <a:t>(Fujitsu)</a:t>
             </a:r>
             <a:endParaRPr kumimoji="1" lang="en-US" altLang="ja-JP" sz="800"/>
           </a:p>
@@ -8244,17 +8125,8 @@
             <a:pPr algn="ctr"/>
             <a:r>
               <a:rPr lang="en-US" altLang="ja-JP" sz="800" smtClean="0"/>
-              <a:t>Local </a:t>
-            </a:r>
-            <a:r>
-              <a:rPr lang="en-US" altLang="ja-JP" sz="800" smtClean="0"/>
-              <a:t>Proxy</a:t>
-            </a:r>
-            <a:r>
-              <a:rPr lang="en-US" altLang="ja-JP" sz="800" smtClean="0"/>
-              <a:t> Servient</a:t>
-            </a:r>
-            <a:endParaRPr lang="en-US" altLang="ja-JP" sz="800" smtClean="0"/>
+              <a:t>Local Proxy Servient</a:t>
+            </a:r>
           </a:p>
           <a:p>
             <a:pPr algn="ctr"/>
@@ -9179,11 +9051,7 @@
           <a:p>
             <a:r>
               <a:rPr lang="en-US" altLang="ja-JP" sz="1200" b="1" smtClean="0"/>
-              <a:t>Local </a:t>
-            </a:r>
-            <a:r>
-              <a:rPr lang="en-US" altLang="ja-JP" sz="1200" b="1" smtClean="0"/>
-              <a:t>network</a:t>
+              <a:t>Local network</a:t>
             </a:r>
             <a:endParaRPr kumimoji="1" lang="en-US" altLang="ja-JP" sz="1200" b="1"/>
           </a:p>
@@ -9213,15 +9081,7 @@
           <a:p>
             <a:r>
               <a:rPr lang="en-US" altLang="ja-JP" sz="1200" smtClean="0"/>
-              <a:t>Osaka</a:t>
-            </a:r>
-            <a:r>
-              <a:rPr lang="en-US" altLang="ja-JP" sz="1200" smtClean="0"/>
-              <a:t>, </a:t>
-            </a:r>
-            <a:r>
-              <a:rPr lang="en-US" altLang="ja-JP" sz="1200" smtClean="0"/>
-              <a:t>Japan</a:t>
+              <a:t>Osaka, Japan</a:t>
             </a:r>
             <a:endParaRPr kumimoji="1" lang="en-US" altLang="ja-JP" sz="1200"/>
           </a:p>
@@ -9251,15 +9111,7 @@
           <a:p>
             <a:r>
               <a:rPr lang="en-US" altLang="ja-JP" sz="1200" smtClean="0"/>
-              <a:t>Kanazawa</a:t>
-            </a:r>
-            <a:r>
-              <a:rPr lang="en-US" altLang="ja-JP" sz="1200" smtClean="0"/>
-              <a:t>, </a:t>
-            </a:r>
-            <a:r>
-              <a:rPr lang="en-US" altLang="ja-JP" sz="1200" smtClean="0"/>
-              <a:t>Japan</a:t>
+              <a:t>Kanazawa, Japan</a:t>
             </a:r>
             <a:endParaRPr kumimoji="1" lang="en-US" altLang="ja-JP" sz="1200"/>
           </a:p>
@@ -9578,23 +9430,7 @@
                   <a:srgbClr val="0070C0"/>
                 </a:solidFill>
               </a:rPr>
-              <a:t>NAT </a:t>
-            </a:r>
-            <a:r>
-              <a:rPr lang="en-US" altLang="ja-JP" sz="1050" smtClean="0">
-                <a:solidFill>
-                  <a:srgbClr val="0070C0"/>
-                </a:solidFill>
-              </a:rPr>
-              <a:t>/ </a:t>
-            </a:r>
-            <a:r>
-              <a:rPr lang="en-US" altLang="ja-JP" sz="1050" smtClean="0">
-                <a:solidFill>
-                  <a:srgbClr val="0070C0"/>
-                </a:solidFill>
-              </a:rPr>
-              <a:t>Firewall</a:t>
+              <a:t>NAT / Firewall</a:t>
             </a:r>
             <a:endParaRPr kumimoji="1" lang="en-US" altLang="ja-JP" sz="1050">
               <a:solidFill>
@@ -9726,11 +9562,7 @@
           <a:p>
             <a:r>
               <a:rPr lang="en-US" altLang="ja-JP" sz="1200" smtClean="0"/>
-              <a:t>San </a:t>
-            </a:r>
-            <a:r>
-              <a:rPr lang="en-US" altLang="ja-JP" sz="1200" smtClean="0"/>
-              <a:t>Francisco</a:t>
+              <a:t>San Francisco</a:t>
             </a:r>
             <a:endParaRPr kumimoji="1" lang="en-US" altLang="ja-JP" sz="1200"/>
           </a:p>
@@ -9900,15 +9732,7 @@
             <a:pPr algn="ctr"/>
             <a:r>
               <a:rPr lang="en-US" altLang="ja-JP" sz="1200" smtClean="0"/>
-              <a:t>Munich</a:t>
-            </a:r>
-            <a:r>
-              <a:rPr lang="en-US" altLang="ja-JP" sz="1200" smtClean="0"/>
-              <a:t>, </a:t>
-            </a:r>
-            <a:r>
-              <a:rPr lang="en-US" altLang="ja-JP" sz="1200" smtClean="0"/>
-              <a:t>Germany</a:t>
+              <a:t>Munich, Germany</a:t>
             </a:r>
             <a:endParaRPr kumimoji="1" lang="en-US" altLang="ja-JP" sz="1200"/>
           </a:p>
@@ -9960,7 +9784,6 @@
               <a:rPr lang="en-US" altLang="ja-JP" sz="800" smtClean="0"/>
               <a:t>WoT Client</a:t>
             </a:r>
-            <a:endParaRPr lang="en-US" altLang="ja-JP" sz="800" smtClean="0"/>
           </a:p>
           <a:p>
             <a:pPr algn="ctr"/>
@@ -10047,7 +9870,6 @@
               <a:rPr lang="en-US" altLang="ja-JP" sz="800" smtClean="0"/>
               <a:t>More local Applications?</a:t>
             </a:r>
-            <a:endParaRPr lang="en-US" altLang="ja-JP" sz="800" smtClean="0"/>
           </a:p>
         </p:txBody>
       </p:sp>
@@ -10095,7 +9917,6 @@
               <a:rPr lang="en-US" altLang="ja-JP" sz="800" smtClean="0"/>
               <a:t>More remote Applications?</a:t>
             </a:r>
-            <a:endParaRPr lang="en-US" altLang="ja-JP" sz="800" smtClean="0"/>
           </a:p>
         </p:txBody>
       </p:sp>
@@ -10180,7 +10001,7 @@
     </p:spTree>
     <p:extLst>
       <p:ext uri="{BB962C8B-B14F-4D97-AF65-F5344CB8AC3E}">
-        <p14:creationId xmlns:p14="http://schemas.microsoft.com/office/powerpoint/2010/main" xmlns="" val="4033359331"/>
+        <p14:creationId xmlns="" xmlns:p14="http://schemas.microsoft.com/office/powerpoint/2010/main" val="4033359331"/>
       </p:ext>
     </p:extLst>
   </p:cSld>
@@ -10251,7 +10072,7 @@
             <p:ph idx="1"/>
             <p:extLst>
               <p:ext uri="{D42A27DB-BD31-4B8C-83A1-F6EECF244321}">
-                <p14:modId xmlns:p14="http://schemas.microsoft.com/office/powerpoint/2010/main" xmlns="" val="1663462723"/>
+                <p14:modId xmlns="" xmlns:p14="http://schemas.microsoft.com/office/powerpoint/2010/main" val="1663462723"/>
               </p:ext>
             </p:extLst>
           </p:nvPr>
@@ -11493,7 +11314,7 @@
     </p:spTree>
     <p:extLst>
       <p:ext uri="{BB962C8B-B14F-4D97-AF65-F5344CB8AC3E}">
-        <p14:creationId xmlns:p14="http://schemas.microsoft.com/office/powerpoint/2010/main" xmlns="" val="778388246"/>
+        <p14:creationId xmlns="" xmlns:p14="http://schemas.microsoft.com/office/powerpoint/2010/main" val="778388246"/>
       </p:ext>
     </p:extLst>
   </p:cSld>
@@ -11565,7 +11386,7 @@
             <p:ph idx="1"/>
             <p:extLst>
               <p:ext uri="{D42A27DB-BD31-4B8C-83A1-F6EECF244321}">
-                <p14:modId xmlns:p14="http://schemas.microsoft.com/office/powerpoint/2010/main" xmlns="" val="3501308955"/>
+                <p14:modId xmlns="" xmlns:p14="http://schemas.microsoft.com/office/powerpoint/2010/main" val="3501308955"/>
               </p:ext>
             </p:extLst>
           </p:nvPr>
@@ -12171,7 +11992,7 @@
     </p:spTree>
     <p:extLst>
       <p:ext uri="{BB962C8B-B14F-4D97-AF65-F5344CB8AC3E}">
-        <p14:creationId xmlns:p14="http://schemas.microsoft.com/office/powerpoint/2010/main" xmlns="" val="1332708268"/>
+        <p14:creationId xmlns="" xmlns:p14="http://schemas.microsoft.com/office/powerpoint/2010/main" val="1332708268"/>
       </p:ext>
     </p:extLst>
   </p:cSld>
@@ -12417,7 +12238,7 @@
     </p:spTree>
     <p:extLst>
       <p:ext uri="{BB962C8B-B14F-4D97-AF65-F5344CB8AC3E}">
-        <p14:creationId xmlns:p14="http://schemas.microsoft.com/office/powerpoint/2010/main" xmlns="" val="207248980"/>
+        <p14:creationId xmlns="" xmlns:p14="http://schemas.microsoft.com/office/powerpoint/2010/main" val="207248980"/>
       </p:ext>
     </p:extLst>
   </p:cSld>
@@ -12647,7 +12468,7 @@
     </p:spTree>
     <p:extLst>
       <p:ext uri="{BB962C8B-B14F-4D97-AF65-F5344CB8AC3E}">
-        <p14:creationId xmlns:p14="http://schemas.microsoft.com/office/powerpoint/2010/main" xmlns="" val="548372940"/>
+        <p14:creationId xmlns="" xmlns:p14="http://schemas.microsoft.com/office/powerpoint/2010/main" val="548372940"/>
       </p:ext>
     </p:extLst>
   </p:cSld>
@@ -12912,7 +12733,7 @@
   <a:extraClrSchemeLst/>
   <a:extLst>
     <a:ext uri="{05A4C25C-085E-4340-85A3-A5531E510DB2}">
-      <thm15:themeFamily xmlns:thm15="http://schemas.microsoft.com/office/thememl/2012/main" xmlns="" name="Office Theme" id="{62F939B6-93AF-4DB8-9C6B-D6C7DFDC589F}" vid="{4A3C46E8-61CC-4603-A589-7422A47A8E4A}"/>
+      <thm15:themeFamily xmlns="" xmlns:thm15="http://schemas.microsoft.com/office/thememl/2012/main" name="Office Theme" id="{62F939B6-93AF-4DB8-9C6B-D6C7DFDC589F}" vid="{4A3C46E8-61CC-4603-A589-7422A47A8E4A}"/>
     </a:ext>
   </a:extLst>
 </a:theme>
@@ -13173,7 +12994,7 @@
   <a:extraClrSchemeLst/>
   <a:extLst>
     <a:ext uri="{05A4C25C-085E-4340-85A3-A5531E510DB2}">
-      <thm15:themeFamily xmlns:thm15="http://schemas.microsoft.com/office/thememl/2012/main" xmlns="" name="Office Theme" id="{62F939B6-93AF-4DB8-9C6B-D6C7DFDC589F}" vid="{4A3C46E8-61CC-4603-A589-7422A47A8E4A}"/>
+      <thm15:themeFamily xmlns="" xmlns:thm15="http://schemas.microsoft.com/office/thememl/2012/main" name="Office Theme" id="{62F939B6-93AF-4DB8-9C6B-D6C7DFDC589F}" vid="{4A3C46E8-61CC-4603-A589-7422A47A8E4A}"/>
     </a:ext>
   </a:extLst>
 </a:theme>

--- a/plugfest/2017-burlingame/CollectionServientInfo2017.pptx
+++ b/plugfest/2017-burlingame/CollectionServientInfo2017.pptx
@@ -7714,7 +7714,7 @@
         </p:nvSpPr>
         <p:spPr>
           <a:xfrm>
-            <a:off x="7026711" y="1046955"/>
+            <a:off x="6802586" y="1046955"/>
             <a:ext cx="645117" cy="569626"/>
           </a:xfrm>
           <a:prstGeom prst="rect">
@@ -7770,7 +7770,7 @@
         </p:nvSpPr>
         <p:spPr>
           <a:xfrm>
-            <a:off x="7835979" y="1051144"/>
+            <a:off x="7611854" y="1051144"/>
             <a:ext cx="645117" cy="569626"/>
           </a:xfrm>
           <a:prstGeom prst="rect">
@@ -8027,8 +8027,8 @@
         </p:nvCxnSpPr>
         <p:spPr>
           <a:xfrm flipH="1" flipV="1">
-            <a:off x="7349270" y="1616581"/>
-            <a:ext cx="359814" cy="626578"/>
+            <a:off x="7125145" y="1616581"/>
+            <a:ext cx="583939" cy="626578"/>
           </a:xfrm>
           <a:prstGeom prst="line">
             <a:avLst/>
@@ -8061,7 +8061,7 @@
         <p:spPr>
           <a:xfrm flipV="1">
             <a:off x="7709084" y="1620770"/>
-            <a:ext cx="449454" cy="622389"/>
+            <a:ext cx="225329" cy="622389"/>
           </a:xfrm>
           <a:prstGeom prst="line">
             <a:avLst/>
@@ -8613,8 +8613,8 @@
         </p:nvCxnSpPr>
         <p:spPr>
           <a:xfrm rot="16200000" flipH="1">
-            <a:off x="4502685" y="-2035084"/>
-            <a:ext cx="14853" cy="7296854"/>
+            <a:off x="4390622" y="-1923022"/>
+            <a:ext cx="14853" cy="7072729"/>
           </a:xfrm>
           <a:prstGeom prst="bentConnector3">
             <a:avLst>
@@ -8648,8 +8648,8 @@
         </p:nvCxnSpPr>
         <p:spPr>
           <a:xfrm rot="16200000" flipH="1">
-            <a:off x="4458462" y="-1274227"/>
-            <a:ext cx="2594" cy="5779021"/>
+            <a:off x="4346400" y="-1162164"/>
+            <a:ext cx="2594" cy="5554896"/>
           </a:xfrm>
           <a:prstGeom prst="bentConnector3">
             <a:avLst>
@@ -9995,6 +9995,95 @@
           </a:effectRef>
           <a:fontRef idx="minor">
             <a:schemeClr val="dk1"/>
+          </a:fontRef>
+        </p:style>
+      </p:cxnSp>
+      <p:sp>
+        <p:nvSpPr>
+          <p:cNvPr id="85" name="正方形/長方形 97"/>
+          <p:cNvSpPr/>
+          <p:nvPr/>
+        </p:nvSpPr>
+        <p:spPr>
+          <a:xfrm>
+            <a:off x="8283723" y="1714244"/>
+            <a:ext cx="645117" cy="569626"/>
+          </a:xfrm>
+          <a:prstGeom prst="rect">
+            <a:avLst/>
+          </a:prstGeom>
+          <a:solidFill>
+            <a:schemeClr val="accent4">
+              <a:lumMod val="60000"/>
+              <a:lumOff val="40000"/>
+            </a:schemeClr>
+          </a:solidFill>
+        </p:spPr>
+        <p:style>
+          <a:lnRef idx="1">
+            <a:schemeClr val="accent4"/>
+          </a:lnRef>
+          <a:fillRef idx="2">
+            <a:schemeClr val="accent4"/>
+          </a:fillRef>
+          <a:effectRef idx="1">
+            <a:schemeClr val="accent4"/>
+          </a:effectRef>
+          <a:fontRef idx="minor">
+            <a:schemeClr val="dk1"/>
+          </a:fontRef>
+        </p:style>
+        <p:txBody>
+          <a:bodyPr lIns="36000" rIns="36000" rtlCol="0" anchor="ctr"/>
+          <a:lstStyle/>
+          <a:p>
+            <a:pPr algn="ctr"/>
+            <a:r>
+              <a:rPr lang="en-US" altLang="ja-JP" sz="800" dirty="0" smtClean="0"/>
+              <a:t>Thing Directory</a:t>
+            </a:r>
+            <a:br>
+              <a:rPr lang="en-US" altLang="ja-JP" sz="800" dirty="0" smtClean="0"/>
+            </a:br>
+            <a:r>
+              <a:rPr lang="en-US" altLang="ja-JP" sz="800" dirty="0" smtClean="0"/>
+              <a:t>(Siemens)</a:t>
+            </a:r>
+            <a:endParaRPr kumimoji="1" lang="en-US" altLang="ja-JP" sz="800" dirty="0"/>
+          </a:p>
+        </p:txBody>
+      </p:sp>
+      <p:cxnSp>
+        <p:nvCxnSpPr>
+          <p:cNvPr id="89" name="カギ線コネクタ 77"/>
+          <p:cNvCxnSpPr>
+            <a:stCxn id="85" idx="1"/>
+          </p:cNvCxnSpPr>
+          <p:nvPr/>
+        </p:nvCxnSpPr>
+        <p:spPr>
+          <a:xfrm rot="10800000" flipV="1">
+            <a:off x="7727569" y="1999057"/>
+            <a:ext cx="556154" cy="76"/>
+          </a:xfrm>
+          <a:prstGeom prst="bentConnector3">
+            <a:avLst>
+              <a:gd name="adj1" fmla="val 50000"/>
+            </a:avLst>
+          </a:prstGeom>
+        </p:spPr>
+        <p:style>
+          <a:lnRef idx="1">
+            <a:schemeClr val="dk1"/>
+          </a:lnRef>
+          <a:fillRef idx="0">
+            <a:schemeClr val="dk1"/>
+          </a:fillRef>
+          <a:effectRef idx="0">
+            <a:schemeClr val="dk1"/>
+          </a:effectRef>
+          <a:fontRef idx="minor">
+            <a:schemeClr val="tx1"/>
           </a:fontRef>
         </p:style>
       </p:cxnSp>

--- a/plugfest/2017-burlingame/CollectionServientInfo2017.pptx
+++ b/plugfest/2017-burlingame/CollectionServientInfo2017.pptx
@@ -10168,7 +10168,7 @@
         </p:nvGraphicFramePr>
         <p:xfrm>
           <a:off x="165101" y="1825625"/>
-          <a:ext cx="8769352" cy="4076700"/>
+          <a:ext cx="8769353" cy="4480560"/>
         </p:xfrm>
         <a:graphic>
           <a:graphicData uri="http://schemas.openxmlformats.org/drawingml/2006/table">
@@ -10180,7 +10180,8 @@
                 <a:gridCol w="1461559"/>
                 <a:gridCol w="730778"/>
                 <a:gridCol w="730778"/>
-                <a:gridCol w="1461559"/>
+                <a:gridCol w="730780"/>
+                <a:gridCol w="730780"/>
                 <a:gridCol w="1461559"/>
                 <a:gridCol w="730780"/>
                 <a:gridCol w="730780"/>
@@ -10225,7 +10226,7 @@
                   </a:txBody>
                   <a:tcPr/>
                 </a:tc>
-                <a:tc>
+                <a:tc gridSpan="2">
                   <a:txBody>
                     <a:bodyPr/>
                     <a:lstStyle/>
@@ -10235,6 +10236,16 @@
                         <a:t>Panasonic</a:t>
                       </a:r>
                       <a:endParaRPr kumimoji="1" lang="ja-JP" altLang="en-US" sz="1200" dirty="0"/>
+                    </a:p>
+                  </a:txBody>
+                  <a:tcPr/>
+                </a:tc>
+                <a:tc hMerge="1">
+                  <a:txBody>
+                    <a:bodyPr/>
+                    <a:lstStyle/>
+                    <a:p>
+                      <a:endParaRPr lang="de-DE"/>
                     </a:p>
                   </a:txBody>
                   <a:tcPr/>
@@ -10370,8 +10381,18 @@
                     <a:p>
                       <a:r>
                         <a:rPr kumimoji="1" lang="en-US" altLang="ja-JP" sz="1200" dirty="0" smtClean="0"/>
-                        <a:t>Scripting/</a:t>
+                        <a:t>Scripting</a:t>
                       </a:r>
+                      <a:endParaRPr kumimoji="1" lang="ja-JP" altLang="en-US" sz="1200" dirty="0"/>
+                    </a:p>
+                  </a:txBody>
+                  <a:tcPr/>
+                </a:tc>
+                <a:tc>
+                  <a:txBody>
+                    <a:bodyPr/>
+                    <a:lstStyle/>
+                    <a:p>
                       <a:r>
                         <a:rPr kumimoji="1" lang="en-US" altLang="ja-JP" sz="1200" dirty="0" err="1" smtClean="0"/>
                         <a:t>NodeRED</a:t>
@@ -10495,10 +10516,41 @@
                     <a:lstStyle/>
                     <a:p>
                       <a:r>
+                        <a:rPr kumimoji="1" lang="de-DE" altLang="ja-JP" sz="1200" dirty="0" smtClean="0"/>
+                        <a:t>https</a:t>
+                      </a:r>
+                      <a:endParaRPr kumimoji="1" lang="ja-JP" altLang="en-US" sz="1200" dirty="0"/>
+                    </a:p>
+                  </a:txBody>
+                  <a:tcPr/>
+                </a:tc>
+                <a:tc>
+                  <a:txBody>
+                    <a:bodyPr/>
+                    <a:lstStyle/>
+                    <a:p>
+                      <a:pPr marL="0" marR="0" indent="0" algn="l" defTabSz="914400" rtl="0" eaLnBrk="1" fontAlgn="auto" latinLnBrk="0" hangingPunct="1">
+                        <a:lnSpc>
+                          <a:spcPct val="100000"/>
+                        </a:lnSpc>
+                        <a:spcBef>
+                          <a:spcPts val="0"/>
+                        </a:spcBef>
+                        <a:spcAft>
+                          <a:spcPts val="0"/>
+                        </a:spcAft>
+                        <a:buClrTx/>
+                        <a:buSzTx/>
+                        <a:buFontTx/>
+                        <a:buNone/>
+                        <a:tabLst/>
+                        <a:defRPr/>
+                      </a:pPr>
+                      <a:r>
                         <a:rPr kumimoji="1" lang="en-US" altLang="ja-JP" sz="1200" dirty="0" err="1" smtClean="0"/>
                         <a:t>https+wss</a:t>
                       </a:r>
-                      <a:endParaRPr kumimoji="1" lang="ja-JP" altLang="en-US" sz="1200" dirty="0"/>
+                      <a:endParaRPr kumimoji="1" lang="ja-JP" altLang="en-US" sz="1200" smtClean="0"/>
                     </a:p>
                   </a:txBody>
                   <a:tcPr/>
@@ -10619,12 +10671,22 @@
                   </a:txBody>
                   <a:tcPr/>
                 </a:tc>
-                <a:tc>
+                <a:tc gridSpan="2">
                   <a:txBody>
                     <a:bodyPr/>
                     <a:lstStyle/>
                     <a:p>
                       <a:endParaRPr kumimoji="1" lang="ja-JP" altLang="en-US" sz="1200" dirty="0"/>
+                    </a:p>
+                  </a:txBody>
+                  <a:tcPr/>
+                </a:tc>
+                <a:tc hMerge="1">
+                  <a:txBody>
+                    <a:bodyPr/>
+                    <a:lstStyle/>
+                    <a:p>
+                      <a:endParaRPr lang="de-DE"/>
                     </a:p>
                   </a:txBody>
                   <a:tcPr/>
@@ -10717,12 +10779,22 @@
                   </a:txBody>
                   <a:tcPr/>
                 </a:tc>
-                <a:tc>
+                <a:tc gridSpan="2">
                   <a:txBody>
                     <a:bodyPr/>
                     <a:lstStyle/>
                     <a:p>
                       <a:endParaRPr kumimoji="1" lang="ja-JP" altLang="en-US" sz="1200" dirty="0"/>
+                    </a:p>
+                  </a:txBody>
+                  <a:tcPr/>
+                </a:tc>
+                <a:tc hMerge="1">
+                  <a:txBody>
+                    <a:bodyPr/>
+                    <a:lstStyle/>
+                    <a:p>
+                      <a:endParaRPr lang="de-DE"/>
                     </a:p>
                   </a:txBody>
                   <a:tcPr/>
@@ -10815,12 +10887,22 @@
                   </a:txBody>
                   <a:tcPr/>
                 </a:tc>
-                <a:tc>
+                <a:tc gridSpan="2">
                   <a:txBody>
                     <a:bodyPr/>
                     <a:lstStyle/>
                     <a:p>
                       <a:endParaRPr kumimoji="1" lang="ja-JP" altLang="en-US" sz="1200" dirty="0"/>
+                    </a:p>
+                  </a:txBody>
+                  <a:tcPr/>
+                </a:tc>
+                <a:tc hMerge="1">
+                  <a:txBody>
+                    <a:bodyPr/>
+                    <a:lstStyle/>
+                    <a:p>
+                      <a:endParaRPr lang="de-DE"/>
                     </a:p>
                   </a:txBody>
                   <a:tcPr/>
@@ -10917,12 +10999,22 @@
                   </a:txBody>
                   <a:tcPr/>
                 </a:tc>
-                <a:tc>
+                <a:tc gridSpan="2">
                   <a:txBody>
                     <a:bodyPr/>
                     <a:lstStyle/>
                     <a:p>
                       <a:endParaRPr kumimoji="1" lang="ja-JP" altLang="en-US" sz="1200" dirty="0"/>
+                    </a:p>
+                  </a:txBody>
+                  <a:tcPr/>
+                </a:tc>
+                <a:tc hMerge="1">
+                  <a:txBody>
+                    <a:bodyPr/>
+                    <a:lstStyle/>
+                    <a:p>
+                      <a:endParaRPr lang="de-DE"/>
                     </a:p>
                   </a:txBody>
                   <a:tcPr/>
@@ -11025,24 +11117,22 @@
                     <a:lstStyle/>
                     <a:p>
                       <a:r>
-                        <a:rPr kumimoji="1" lang="en-US" altLang="ja-JP" sz="1200" dirty="0" smtClean="0"/>
-                        <a:t>Air</a:t>
+                        <a:rPr lang="en-US" sz="1200" dirty="0" smtClean="0"/>
+                        <a:t>LED light, Air conditioner, Robot Cleaner</a:t>
                       </a:r>
+                      <a:endParaRPr kumimoji="1" lang="ja-JP" altLang="en-US" sz="1200" dirty="0"/>
+                    </a:p>
+                  </a:txBody>
+                  <a:tcPr/>
+                </a:tc>
+                <a:tc rowSpan="4">
+                  <a:txBody>
+                    <a:bodyPr/>
+                    <a:lstStyle/>
+                    <a:p>
                       <a:r>
-                        <a:rPr kumimoji="1" lang="en-US" altLang="ja-JP" sz="1200" baseline="0" dirty="0" smtClean="0"/>
-                        <a:t> conditioner,</a:t>
-                      </a:r>
-                    </a:p>
-                    <a:p>
-                      <a:r>
-                        <a:rPr kumimoji="1" lang="en-US" altLang="ja-JP" sz="1200" baseline="0" dirty="0" smtClean="0"/>
-                        <a:t>Robot cleaner,</a:t>
-                      </a:r>
-                    </a:p>
-                    <a:p>
-                      <a:r>
-                        <a:rPr kumimoji="1" lang="en-US" altLang="ja-JP" sz="1200" baseline="0" dirty="0" smtClean="0"/>
-                        <a:t>LED light</a:t>
+                        <a:rPr lang="en-US" sz="1200" dirty="0" smtClean="0"/>
+                        <a:t>Human Detection Sensor, Amazon Echo, Google Home</a:t>
                       </a:r>
                       <a:endParaRPr kumimoji="1" lang="ja-JP" altLang="en-US" sz="1200" dirty="0"/>
                     </a:p>
@@ -11164,6 +11254,16 @@
                   </a:txBody>
                   <a:tcPr/>
                 </a:tc>
+                <a:tc vMerge="1">
+                  <a:txBody>
+                    <a:bodyPr/>
+                    <a:lstStyle/>
+                    <a:p>
+                      <a:endParaRPr lang="de-DE"/>
+                    </a:p>
+                  </a:txBody>
+                  <a:tcPr/>
+                </a:tc>
                 <a:tc gridSpan="2">
                   <a:txBody>
                     <a:bodyPr/>
@@ -11253,6 +11353,16 @@
                   </a:txBody>
                   <a:tcPr/>
                 </a:tc>
+                <a:tc vMerge="1">
+                  <a:txBody>
+                    <a:bodyPr/>
+                    <a:lstStyle/>
+                    <a:p>
+                      <a:endParaRPr lang="de-DE"/>
+                    </a:p>
+                  </a:txBody>
+                  <a:tcPr/>
+                </a:tc>
                 <a:tc gridSpan="2">
                   <a:txBody>
                     <a:bodyPr/>
@@ -11288,6 +11398,16 @@
                 </a:tc>
               </a:tr>
               <a:tr h="251460">
+                <a:tc vMerge="1">
+                  <a:txBody>
+                    <a:bodyPr/>
+                    <a:lstStyle/>
+                    <a:p>
+                      <a:endParaRPr lang="de-DE"/>
+                    </a:p>
+                  </a:txBody>
+                  <a:tcPr/>
+                </a:tc>
                 <a:tc vMerge="1">
                   <a:txBody>
                     <a:bodyPr/>
